--- a/20160323 progress.pptx
+++ b/20160323 progress.pptx
@@ -6,12 +6,12 @@
   </p:sldMasterIdLst>
   <p:sldIdLst>
     <p:sldId id="256" r:id="rId2"/>
-    <p:sldId id="257" r:id="rId3"/>
-    <p:sldId id="258" r:id="rId4"/>
-    <p:sldId id="260" r:id="rId5"/>
-    <p:sldId id="259" r:id="rId6"/>
-    <p:sldId id="262" r:id="rId7"/>
-    <p:sldId id="263" r:id="rId8"/>
+    <p:sldId id="267" r:id="rId3"/>
+    <p:sldId id="268" r:id="rId4"/>
+    <p:sldId id="269" r:id="rId5"/>
+    <p:sldId id="262" r:id="rId6"/>
+    <p:sldId id="263" r:id="rId7"/>
+    <p:sldId id="270" r:id="rId8"/>
     <p:sldId id="264" r:id="rId9"/>
     <p:sldId id="265" r:id="rId10"/>
     <p:sldId id="261" r:id="rId11"/>
@@ -299,7 +299,7 @@
             <a:fld id="{1D8BD707-D9CF-40AE-B4C6-C98DA3205C09}" type="datetimeFigureOut">
               <a:rPr lang="en-US" smtClean="0"/>
               <a:pPr/>
-              <a:t>3/20/2016</a:t>
+              <a:t>3/23/2016</a:t>
             </a:fld>
             <a:endParaRPr lang="en-US"/>
           </a:p>
@@ -466,7 +466,7 @@
             <a:fld id="{1D8BD707-D9CF-40AE-B4C6-C98DA3205C09}" type="datetimeFigureOut">
               <a:rPr lang="en-US" smtClean="0"/>
               <a:pPr/>
-              <a:t>3/20/2016</a:t>
+              <a:t>3/23/2016</a:t>
             </a:fld>
             <a:endParaRPr lang="en-US"/>
           </a:p>
@@ -643,7 +643,7 @@
             <a:fld id="{1D8BD707-D9CF-40AE-B4C6-C98DA3205C09}" type="datetimeFigureOut">
               <a:rPr lang="en-US" smtClean="0"/>
               <a:pPr/>
-              <a:t>3/20/2016</a:t>
+              <a:t>3/23/2016</a:t>
             </a:fld>
             <a:endParaRPr lang="en-US"/>
           </a:p>
@@ -810,7 +810,7 @@
             <a:fld id="{1D8BD707-D9CF-40AE-B4C6-C98DA3205C09}" type="datetimeFigureOut">
               <a:rPr lang="en-US" smtClean="0"/>
               <a:pPr/>
-              <a:t>3/20/2016</a:t>
+              <a:t>3/23/2016</a:t>
             </a:fld>
             <a:endParaRPr lang="en-US"/>
           </a:p>
@@ -1053,7 +1053,7 @@
             <a:fld id="{1D8BD707-D9CF-40AE-B4C6-C98DA3205C09}" type="datetimeFigureOut">
               <a:rPr lang="en-US" smtClean="0"/>
               <a:pPr/>
-              <a:t>3/20/2016</a:t>
+              <a:t>3/23/2016</a:t>
             </a:fld>
             <a:endParaRPr lang="en-US"/>
           </a:p>
@@ -1338,7 +1338,7 @@
             <a:fld id="{1D8BD707-D9CF-40AE-B4C6-C98DA3205C09}" type="datetimeFigureOut">
               <a:rPr lang="en-US" smtClean="0"/>
               <a:pPr/>
-              <a:t>3/20/2016</a:t>
+              <a:t>3/23/2016</a:t>
             </a:fld>
             <a:endParaRPr lang="en-US"/>
           </a:p>
@@ -1757,7 +1757,7 @@
             <a:fld id="{1D8BD707-D9CF-40AE-B4C6-C98DA3205C09}" type="datetimeFigureOut">
               <a:rPr lang="en-US" smtClean="0"/>
               <a:pPr/>
-              <a:t>3/20/2016</a:t>
+              <a:t>3/23/2016</a:t>
             </a:fld>
             <a:endParaRPr lang="en-US"/>
           </a:p>
@@ -1872,7 +1872,7 @@
             <a:fld id="{1D8BD707-D9CF-40AE-B4C6-C98DA3205C09}" type="datetimeFigureOut">
               <a:rPr lang="en-US" smtClean="0"/>
               <a:pPr/>
-              <a:t>3/20/2016</a:t>
+              <a:t>3/23/2016</a:t>
             </a:fld>
             <a:endParaRPr lang="en-US"/>
           </a:p>
@@ -1964,7 +1964,7 @@
             <a:fld id="{1D8BD707-D9CF-40AE-B4C6-C98DA3205C09}" type="datetimeFigureOut">
               <a:rPr lang="en-US" smtClean="0"/>
               <a:pPr/>
-              <a:t>3/20/2016</a:t>
+              <a:t>3/23/2016</a:t>
             </a:fld>
             <a:endParaRPr lang="en-US"/>
           </a:p>
@@ -2238,7 +2238,7 @@
             <a:fld id="{1D8BD707-D9CF-40AE-B4C6-C98DA3205C09}" type="datetimeFigureOut">
               <a:rPr lang="en-US" smtClean="0"/>
               <a:pPr/>
-              <a:t>3/20/2016</a:t>
+              <a:t>3/23/2016</a:t>
             </a:fld>
             <a:endParaRPr lang="en-US"/>
           </a:p>
@@ -2488,7 +2488,7 @@
             <a:fld id="{1D8BD707-D9CF-40AE-B4C6-C98DA3205C09}" type="datetimeFigureOut">
               <a:rPr lang="en-US" smtClean="0"/>
               <a:pPr/>
-              <a:t>3/20/2016</a:t>
+              <a:t>3/23/2016</a:t>
             </a:fld>
             <a:endParaRPr lang="en-US"/>
           </a:p>
@@ -2698,7 +2698,7 @@
             <a:fld id="{1D8BD707-D9CF-40AE-B4C6-C98DA3205C09}" type="datetimeFigureOut">
               <a:rPr lang="en-US" smtClean="0"/>
               <a:pPr/>
-              <a:t>3/20/2016</a:t>
+              <a:t>3/23/2016</a:t>
             </a:fld>
             <a:endParaRPr lang="en-US"/>
           </a:p>
@@ -3443,7 +3443,7 @@
       </p:grpSpPr>
       <p:sp>
         <p:nvSpPr>
-          <p:cNvPr id="2" name="Title 1"/>
+          <p:cNvPr id="4" name="Title 3"/>
           <p:cNvSpPr>
             <a:spLocks noGrp="1"/>
           </p:cNvSpPr>
@@ -3456,236 +3456,37 @@
           <a:bodyPr/>
           <a:lstStyle/>
           <a:p>
+            <a:r>
+              <a:rPr lang="en-US" dirty="0" smtClean="0"/>
+              <a:t>Convolution Neural Network</a:t>
+            </a:r>
             <a:endParaRPr lang="en-US" dirty="0"/>
           </a:p>
         </p:txBody>
       </p:sp>
       <p:sp>
         <p:nvSpPr>
-          <p:cNvPr id="3" name="Content Placeholder 2"/>
-          <p:cNvSpPr>
-            <a:spLocks noGrp="1"/>
-          </p:cNvSpPr>
-          <p:nvPr>
-            <p:ph idx="1"/>
-          </p:nvPr>
-        </p:nvSpPr>
-        <p:spPr/>
-        <p:txBody>
-          <a:bodyPr>
-            <a:normAutofit fontScale="77500" lnSpcReduction="20000"/>
-          </a:bodyPr>
-          <a:lstStyle/>
-          <a:p>
-            <a:r>
-              <a:rPr lang="en-US" dirty="0"/>
-              <a:t>Convolutional networks perceive images as volumes; i.e. three-dimensional objects, rather than flat canvases to be measured only by width and height. That’s because digital color images have a red-blue-green (RGB) encoding, mixing those three colors to produce the color spectrum humans perceive. A convolutional network ingests such images as three separate strata of color stacked one on top of the other</a:t>
-            </a:r>
-            <a:r>
-              <a:rPr lang="en-US" dirty="0" smtClean="0"/>
-              <a:t>.</a:t>
-            </a:r>
-          </a:p>
-          <a:p>
-            <a:endParaRPr lang="en-US" dirty="0"/>
-          </a:p>
-          <a:p>
-            <a:r>
-              <a:rPr lang="en-US" dirty="0" smtClean="0"/>
-              <a:t>CNN </a:t>
-            </a:r>
-            <a:r>
-              <a:rPr lang="en-US" dirty="0" err="1" smtClean="0"/>
-              <a:t>memperlakukan</a:t>
-            </a:r>
-            <a:r>
-              <a:rPr lang="en-US" dirty="0" smtClean="0"/>
-              <a:t> image </a:t>
-            </a:r>
-            <a:r>
-              <a:rPr lang="en-US" dirty="0" err="1" smtClean="0"/>
-              <a:t>sebagai</a:t>
-            </a:r>
-            <a:r>
-              <a:rPr lang="en-US" dirty="0" smtClean="0"/>
-              <a:t> volume, </a:t>
-            </a:r>
-            <a:r>
-              <a:rPr lang="en-US" dirty="0" err="1" smtClean="0"/>
-              <a:t>yaitu</a:t>
-            </a:r>
-            <a:r>
-              <a:rPr lang="en-US" dirty="0" smtClean="0"/>
-              <a:t> 3d </a:t>
-            </a:r>
-            <a:r>
-              <a:rPr lang="en-US" dirty="0" err="1" smtClean="0"/>
-              <a:t>objek</a:t>
-            </a:r>
-            <a:r>
-              <a:rPr lang="en-US" dirty="0" smtClean="0"/>
-              <a:t>, </a:t>
-            </a:r>
-            <a:r>
-              <a:rPr lang="en-US" dirty="0" err="1" smtClean="0"/>
-              <a:t>daripada</a:t>
-            </a:r>
-            <a:r>
-              <a:rPr lang="en-US" dirty="0" smtClean="0"/>
-              <a:t> </a:t>
-            </a:r>
-            <a:r>
-              <a:rPr lang="en-US" dirty="0" err="1" smtClean="0"/>
-              <a:t>kanvas</a:t>
-            </a:r>
-            <a:r>
-              <a:rPr lang="en-US" dirty="0" smtClean="0"/>
-              <a:t> </a:t>
-            </a:r>
-            <a:r>
-              <a:rPr lang="en-US" dirty="0" err="1" smtClean="0"/>
-              <a:t>datar</a:t>
-            </a:r>
-            <a:r>
-              <a:rPr lang="en-US" dirty="0" smtClean="0"/>
-              <a:t> yang </a:t>
-            </a:r>
-            <a:r>
-              <a:rPr lang="en-US" dirty="0" err="1" smtClean="0"/>
-              <a:t>dihitung</a:t>
-            </a:r>
-            <a:r>
-              <a:rPr lang="en-US" dirty="0" smtClean="0"/>
-              <a:t> </a:t>
-            </a:r>
-            <a:r>
-              <a:rPr lang="en-US" dirty="0" err="1" smtClean="0"/>
-              <a:t>berdasarkan</a:t>
-            </a:r>
-            <a:r>
-              <a:rPr lang="en-US" dirty="0" smtClean="0"/>
-              <a:t> </a:t>
-            </a:r>
-            <a:r>
-              <a:rPr lang="en-US" dirty="0" err="1" smtClean="0"/>
-              <a:t>lebar</a:t>
-            </a:r>
-            <a:r>
-              <a:rPr lang="en-US" dirty="0" smtClean="0"/>
-              <a:t> </a:t>
-            </a:r>
-            <a:r>
-              <a:rPr lang="en-US" dirty="0" err="1" smtClean="0"/>
-              <a:t>dan</a:t>
-            </a:r>
-            <a:r>
-              <a:rPr lang="en-US" dirty="0" smtClean="0"/>
-              <a:t> </a:t>
-            </a:r>
-            <a:r>
-              <a:rPr lang="en-US" dirty="0" err="1" smtClean="0"/>
-              <a:t>tinggi</a:t>
-            </a:r>
-            <a:r>
-              <a:rPr lang="en-US" dirty="0" smtClean="0"/>
-              <a:t>. Hal </a:t>
-            </a:r>
-            <a:r>
-              <a:rPr lang="en-US" dirty="0" err="1" smtClean="0"/>
-              <a:t>tersebut</a:t>
-            </a:r>
-            <a:r>
-              <a:rPr lang="en-US" dirty="0" smtClean="0"/>
-              <a:t> </a:t>
-            </a:r>
-            <a:r>
-              <a:rPr lang="en-US" dirty="0" err="1" smtClean="0"/>
-              <a:t>dikarenakan</a:t>
-            </a:r>
-            <a:r>
-              <a:rPr lang="en-US" dirty="0" smtClean="0"/>
-              <a:t> image digital </a:t>
-            </a:r>
-            <a:r>
-              <a:rPr lang="en-US" dirty="0" err="1" smtClean="0"/>
-              <a:t>memiliki</a:t>
-            </a:r>
-            <a:r>
-              <a:rPr lang="en-US" dirty="0" smtClean="0"/>
-              <a:t> RGB, </a:t>
-            </a:r>
-            <a:r>
-              <a:rPr lang="en-US" dirty="0" err="1" smtClean="0"/>
-              <a:t>menggabungkan</a:t>
-            </a:r>
-            <a:r>
-              <a:rPr lang="en-US" dirty="0" smtClean="0"/>
-              <a:t> 3 </a:t>
-            </a:r>
-            <a:r>
-              <a:rPr lang="en-US" dirty="0" err="1" smtClean="0"/>
-              <a:t>warna</a:t>
-            </a:r>
-            <a:r>
-              <a:rPr lang="en-US" dirty="0" smtClean="0"/>
-              <a:t> </a:t>
-            </a:r>
-            <a:r>
-              <a:rPr lang="en-US" dirty="0" err="1" smtClean="0"/>
-              <a:t>untuk</a:t>
-            </a:r>
-            <a:r>
-              <a:rPr lang="en-US" dirty="0" smtClean="0"/>
-              <a:t> </a:t>
-            </a:r>
-            <a:r>
-              <a:rPr lang="en-US" dirty="0" err="1" smtClean="0"/>
-              <a:t>memproduksi</a:t>
-            </a:r>
-            <a:r>
-              <a:rPr lang="en-US" dirty="0" smtClean="0"/>
-              <a:t> </a:t>
-            </a:r>
-            <a:r>
-              <a:rPr lang="en-US" dirty="0" err="1" smtClean="0"/>
-              <a:t>warna</a:t>
-            </a:r>
-            <a:r>
-              <a:rPr lang="en-US" dirty="0" smtClean="0"/>
-              <a:t> </a:t>
-            </a:r>
-            <a:r>
-              <a:rPr lang="en-US" dirty="0" err="1" smtClean="0"/>
-              <a:t>sesuai</a:t>
-            </a:r>
-            <a:r>
-              <a:rPr lang="en-US" dirty="0" smtClean="0"/>
-              <a:t> </a:t>
-            </a:r>
-            <a:r>
-              <a:rPr lang="en-US" dirty="0" err="1" smtClean="0"/>
-              <a:t>perspektif</a:t>
-            </a:r>
-            <a:r>
-              <a:rPr lang="en-US" dirty="0" smtClean="0"/>
-              <a:t> </a:t>
-            </a:r>
-            <a:r>
-              <a:rPr lang="en-US" dirty="0" err="1" smtClean="0"/>
-              <a:t>manusia</a:t>
-            </a:r>
-            <a:r>
-              <a:rPr lang="en-US" dirty="0" smtClean="0"/>
-              <a:t>. CNN </a:t>
-            </a:r>
-            <a:endParaRPr lang="en-US" dirty="0"/>
+          <p:cNvPr id="5" name="Text Placeholder 4"/>
+          <p:cNvSpPr>
+            <a:spLocks noGrp="1"/>
+          </p:cNvSpPr>
+          <p:nvPr>
+            <p:ph type="body" idx="1"/>
+          </p:nvPr>
+        </p:nvSpPr>
+        <p:spPr/>
+        <p:txBody>
+          <a:bodyPr/>
+          <a:lstStyle/>
+          <a:p>
+            <a:endParaRPr lang="en-US"/>
           </a:p>
         </p:txBody>
       </p:sp>
     </p:spTree>
     <p:extLst>
       <p:ext uri="{BB962C8B-B14F-4D97-AF65-F5344CB8AC3E}">
-        <p14:creationId xmlns:p14="http://schemas.microsoft.com/office/powerpoint/2010/main" val="3651278267"/>
+        <p14:creationId xmlns:p14="http://schemas.microsoft.com/office/powerpoint/2010/main" val="396941798"/>
       </p:ext>
     </p:extLst>
   </p:cSld>
@@ -3721,7 +3522,7 @@
       </p:grpSpPr>
       <p:sp>
         <p:nvSpPr>
-          <p:cNvPr id="2" name="Title 1"/>
+          <p:cNvPr id="4" name="Title 3"/>
           <p:cNvSpPr>
             <a:spLocks noGrp="1"/>
           </p:cNvSpPr>
@@ -3736,7 +3537,7 @@
           <a:p>
             <a:r>
               <a:rPr lang="en-US" dirty="0" smtClean="0"/>
-              <a:t>Channel</a:t>
+              <a:t>CNN</a:t>
             </a:r>
             <a:endParaRPr lang="en-US" dirty="0"/>
           </a:p>
@@ -3744,7 +3545,7 @@
       </p:sp>
       <p:sp>
         <p:nvSpPr>
-          <p:cNvPr id="3" name="Content Placeholder 2"/>
+          <p:cNvPr id="5" name="Content Placeholder 4"/>
           <p:cNvSpPr>
             <a:spLocks noGrp="1"/>
           </p:cNvSpPr>
@@ -3754,195 +3555,45 @@
         </p:nvSpPr>
         <p:spPr/>
         <p:txBody>
-          <a:bodyPr>
-            <a:normAutofit fontScale="92500" lnSpcReduction="20000"/>
-          </a:bodyPr>
-          <a:lstStyle/>
-          <a:p>
-            <a:r>
-              <a:rPr lang="en-US" dirty="0"/>
-              <a:t>So a convolutional network receives a normal color image as a rectangular box whose width and height are measured by the number of pixels along those dimensions, and whose depth is three layers deep, one for each letter in RGB. Those depth layers are referred to as </a:t>
-            </a:r>
-            <a:r>
-              <a:rPr lang="en-US" i="1" dirty="0"/>
-              <a:t>channels</a:t>
+          <a:bodyPr/>
+          <a:lstStyle/>
+          <a:p>
+            <a:r>
+              <a:rPr lang="en-US" dirty="0" err="1" smtClean="0"/>
+              <a:t>Menggunakan</a:t>
             </a:r>
             <a:r>
               <a:rPr lang="en-US" dirty="0" smtClean="0"/>
-              <a:t>.</a:t>
-            </a:r>
-          </a:p>
-          <a:p>
-            <a:r>
-              <a:rPr lang="en-US" dirty="0" smtClean="0"/>
-              <a:t>CNN </a:t>
-            </a:r>
-            <a:r>
-              <a:rPr lang="en-US" dirty="0" err="1" smtClean="0"/>
-              <a:t>mengambil</a:t>
-            </a:r>
-            <a:r>
-              <a:rPr lang="en-US" dirty="0" smtClean="0"/>
-              <a:t> </a:t>
-            </a:r>
-            <a:r>
-              <a:rPr lang="en-US" dirty="0" err="1" smtClean="0"/>
-              <a:t>warna</a:t>
-            </a:r>
-            <a:r>
-              <a:rPr lang="en-US" dirty="0" smtClean="0"/>
-              <a:t> normal </a:t>
-            </a:r>
-            <a:r>
-              <a:rPr lang="en-US" dirty="0" err="1" smtClean="0"/>
-              <a:t>dari</a:t>
-            </a:r>
-            <a:r>
-              <a:rPr lang="en-US" dirty="0" smtClean="0"/>
-              <a:t> </a:t>
-            </a:r>
-            <a:r>
-              <a:rPr lang="en-US" dirty="0" err="1" smtClean="0"/>
-              <a:t>gambar</a:t>
-            </a:r>
-            <a:r>
-              <a:rPr lang="en-US" dirty="0" smtClean="0"/>
-              <a:t> </a:t>
-            </a:r>
-            <a:r>
-              <a:rPr lang="en-US" dirty="0" err="1" smtClean="0"/>
-              <a:t>kedalam</a:t>
-            </a:r>
-            <a:r>
-              <a:rPr lang="en-US" dirty="0" smtClean="0"/>
-              <a:t> </a:t>
-            </a:r>
-            <a:r>
-              <a:rPr lang="en-US" dirty="0" err="1" smtClean="0"/>
-              <a:t>sebuah</a:t>
-            </a:r>
-            <a:r>
-              <a:rPr lang="en-US" dirty="0" smtClean="0"/>
-              <a:t> </a:t>
-            </a:r>
-            <a:r>
-              <a:rPr lang="en-US" dirty="0" err="1" smtClean="0"/>
-              <a:t>kotak</a:t>
-            </a:r>
-            <a:r>
-              <a:rPr lang="en-US" dirty="0" smtClean="0"/>
-              <a:t> </a:t>
-            </a:r>
-            <a:r>
-              <a:rPr lang="en-US" dirty="0" err="1" smtClean="0"/>
-              <a:t>dengan</a:t>
-            </a:r>
-            <a:r>
-              <a:rPr lang="en-US" dirty="0" smtClean="0"/>
-              <a:t> </a:t>
-            </a:r>
-            <a:r>
-              <a:rPr lang="en-US" dirty="0" err="1" smtClean="0"/>
-              <a:t>panjang</a:t>
-            </a:r>
-            <a:r>
-              <a:rPr lang="en-US" dirty="0" smtClean="0"/>
-              <a:t> </a:t>
-            </a:r>
-            <a:r>
-              <a:rPr lang="en-US" dirty="0" err="1" smtClean="0"/>
-              <a:t>dan</a:t>
-            </a:r>
-            <a:r>
-              <a:rPr lang="en-US" dirty="0" smtClean="0"/>
-              <a:t> </a:t>
-            </a:r>
-            <a:r>
-              <a:rPr lang="en-US" dirty="0" err="1" smtClean="0"/>
-              <a:t>lebar</a:t>
-            </a:r>
-            <a:r>
-              <a:rPr lang="en-US" dirty="0" smtClean="0"/>
-              <a:t> </a:t>
-            </a:r>
-            <a:r>
-              <a:rPr lang="en-US" dirty="0" err="1" smtClean="0"/>
-              <a:t>dihitung</a:t>
-            </a:r>
-            <a:r>
-              <a:rPr lang="en-US" dirty="0" smtClean="0"/>
-              <a:t> </a:t>
-            </a:r>
-            <a:r>
-              <a:rPr lang="en-US" dirty="0" err="1" smtClean="0"/>
-              <a:t>berdasarkan</a:t>
-            </a:r>
-            <a:r>
-              <a:rPr lang="en-US" dirty="0" smtClean="0"/>
-              <a:t> </a:t>
-            </a:r>
-            <a:r>
-              <a:rPr lang="en-US" dirty="0" err="1" smtClean="0"/>
-              <a:t>jumlah</a:t>
-            </a:r>
-            <a:r>
-              <a:rPr lang="en-US" dirty="0" smtClean="0"/>
-              <a:t> pixel </a:t>
-            </a:r>
-            <a:r>
-              <a:rPr lang="en-US" dirty="0" err="1" smtClean="0"/>
-              <a:t>sesuai</a:t>
-            </a:r>
-            <a:r>
-              <a:rPr lang="en-US" dirty="0" smtClean="0"/>
-              <a:t> </a:t>
+              <a:t> 3 </a:t>
             </a:r>
             <a:r>
               <a:rPr lang="en-US" dirty="0" err="1" smtClean="0"/>
               <a:t>dimensi</a:t>
             </a:r>
+            <a:endParaRPr lang="en-US" dirty="0" smtClean="0"/>
+          </a:p>
+          <a:p>
+            <a:pPr lvl="1"/>
             <a:r>
               <a:rPr lang="en-US" dirty="0" smtClean="0"/>
-              <a:t> </a:t>
-            </a:r>
-            <a:r>
-              <a:rPr lang="en-US" dirty="0" err="1" smtClean="0"/>
-              <a:t>gambar</a:t>
-            </a:r>
+              <a:t>Width </a:t>
+            </a:r>
+          </a:p>
+          <a:p>
+            <a:pPr lvl="1"/>
             <a:r>
               <a:rPr lang="en-US" dirty="0" smtClean="0"/>
-              <a:t> </a:t>
-            </a:r>
-            <a:r>
-              <a:rPr lang="en-US" dirty="0" err="1" smtClean="0"/>
-              <a:t>dan</a:t>
-            </a:r>
-            <a:r>
-              <a:rPr lang="en-US" dirty="0" smtClean="0"/>
-              <a:t> </a:t>
-            </a:r>
-            <a:r>
-              <a:rPr lang="en-US" dirty="0" err="1" smtClean="0"/>
-              <a:t>memiliki</a:t>
-            </a:r>
-            <a:r>
-              <a:rPr lang="en-US" dirty="0" smtClean="0"/>
-              <a:t> 3 depth.</a:t>
-            </a:r>
-          </a:p>
-          <a:p>
-            <a:r>
-              <a:rPr lang="en-US" dirty="0" smtClean="0"/>
-              <a:t>Depth layer </a:t>
-            </a:r>
-            <a:r>
-              <a:rPr lang="en-US" dirty="0" err="1" smtClean="0"/>
-              <a:t>adalah</a:t>
-            </a:r>
-            <a:r>
-              <a:rPr lang="en-US" dirty="0" smtClean="0"/>
-              <a:t> channel</a:t>
-            </a:r>
+              <a:t>Height</a:t>
+            </a:r>
+          </a:p>
+          <a:p>
+            <a:pPr lvl="1"/>
+            <a:r>
+              <a:rPr lang="en-US" dirty="0"/>
+              <a:t>Depth (dimension of an activation volume)</a:t>
+            </a:r>
+          </a:p>
+          <a:p>
             <a:endParaRPr lang="en-US" dirty="0"/>
           </a:p>
         </p:txBody>
@@ -3950,7 +3601,7 @@
     </p:spTree>
     <p:extLst>
       <p:ext uri="{BB962C8B-B14F-4D97-AF65-F5344CB8AC3E}">
-        <p14:creationId xmlns:p14="http://schemas.microsoft.com/office/powerpoint/2010/main" val="2142211323"/>
+        <p14:creationId xmlns:p14="http://schemas.microsoft.com/office/powerpoint/2010/main" val="878877051"/>
       </p:ext>
     </p:extLst>
   </p:cSld>
@@ -4000,36 +3651,79 @@
           <a:lstStyle/>
           <a:p>
             <a:r>
-              <a:rPr lang="en-US" dirty="0" smtClean="0"/>
-              <a:t>Activation Map</a:t>
+              <a:rPr lang="en-US" dirty="0" err="1" smtClean="0"/>
+              <a:t>Arsitektur</a:t>
             </a:r>
             <a:endParaRPr lang="en-US" dirty="0"/>
           </a:p>
         </p:txBody>
       </p:sp>
-      <p:sp>
-        <p:nvSpPr>
-          <p:cNvPr id="3" name="Content Placeholder 2"/>
-          <p:cNvSpPr>
-            <a:spLocks noGrp="1"/>
-          </p:cNvSpPr>
-          <p:nvPr>
-            <p:ph idx="1"/>
-          </p:nvPr>
-        </p:nvSpPr>
-        <p:spPr/>
-        <p:txBody>
-          <a:bodyPr/>
-          <a:lstStyle/>
-          <a:p>
-            <a:endParaRPr lang="en-US"/>
-          </a:p>
-        </p:txBody>
-      </p:sp>
+      <p:pic>
+        <p:nvPicPr>
+          <p:cNvPr id="1026" name="Picture 2"/>
+          <p:cNvPicPr>
+            <a:picLocks noChangeAspect="1" noChangeArrowheads="1"/>
+          </p:cNvPicPr>
+          <p:nvPr/>
+        </p:nvPicPr>
+        <p:blipFill rotWithShape="1">
+          <a:blip r:embed="rId2">
+            <a:extLst>
+              <a:ext uri="{28A0092B-C50C-407E-A947-70E740481C1C}">
+                <a14:useLocalDpi xmlns:a14="http://schemas.microsoft.com/office/drawing/2010/main" val="0"/>
+              </a:ext>
+            </a:extLst>
+          </a:blip>
+          <a:srcRect l="18550" t="29063" r="20483" b="19062"/>
+          <a:stretch/>
+        </p:blipFill>
+        <p:spPr bwMode="auto">
+          <a:xfrm>
+            <a:off x="457199" y="1828800"/>
+            <a:ext cx="8123563" cy="4191000"/>
+          </a:xfrm>
+          <a:prstGeom prst="rect">
+            <a:avLst/>
+          </a:prstGeom>
+          <a:noFill/>
+          <a:ln>
+            <a:noFill/>
+          </a:ln>
+          <a:effectLst/>
+          <a:extLst>
+            <a:ext uri="{909E8E84-426E-40DD-AFC4-6F175D3DCCD1}">
+              <a14:hiddenFill xmlns:a14="http://schemas.microsoft.com/office/drawing/2010/main">
+                <a:solidFill>
+                  <a:schemeClr val="accent1"/>
+                </a:solidFill>
+              </a14:hiddenFill>
+            </a:ext>
+            <a:ext uri="{91240B29-F687-4F45-9708-019B960494DF}">
+              <a14:hiddenLine xmlns:a14="http://schemas.microsoft.com/office/drawing/2010/main" w="9525">
+                <a:solidFill>
+                  <a:schemeClr val="tx1"/>
+                </a:solidFill>
+                <a:miter lim="800000"/>
+                <a:headEnd/>
+                <a:tailEnd/>
+              </a14:hiddenLine>
+            </a:ext>
+            <a:ext uri="{AF507438-7753-43E0-B8FC-AC1667EBCBE1}">
+              <a14:hiddenEffects xmlns:a14="http://schemas.microsoft.com/office/drawing/2010/main">
+                <a:effectLst>
+                  <a:outerShdw dist="35921" dir="2700000" algn="ctr" rotWithShape="0">
+                    <a:schemeClr val="bg2"/>
+                  </a:outerShdw>
+                </a:effectLst>
+              </a14:hiddenEffects>
+            </a:ext>
+          </a:extLst>
+        </p:spPr>
+      </p:pic>
     </p:spTree>
     <p:extLst>
       <p:ext uri="{BB962C8B-B14F-4D97-AF65-F5344CB8AC3E}">
-        <p14:creationId xmlns:p14="http://schemas.microsoft.com/office/powerpoint/2010/main" val="1926062649"/>
+        <p14:creationId xmlns:p14="http://schemas.microsoft.com/office/powerpoint/2010/main" val="2419043893"/>
       </p:ext>
     </p:extLst>
   </p:cSld>
@@ -4047,116 +3741,6 @@
 </file>
 
 <file path=ppt/slides/slide5.xml><?xml version="1.0" encoding="utf-8"?>
-<p:sld xmlns:a="http://schemas.openxmlformats.org/drawingml/2006/main" xmlns:r="http://schemas.openxmlformats.org/officeDocument/2006/relationships" xmlns:p="http://schemas.openxmlformats.org/presentationml/2006/main">
-  <p:cSld>
-    <p:spTree>
-      <p:nvGrpSpPr>
-        <p:cNvPr id="1" name=""/>
-        <p:cNvGrpSpPr/>
-        <p:nvPr/>
-      </p:nvGrpSpPr>
-      <p:grpSpPr>
-        <a:xfrm>
-          <a:off x="0" y="0"/>
-          <a:ext cx="0" cy="0"/>
-          <a:chOff x="0" y="0"/>
-          <a:chExt cx="0" cy="0"/>
-        </a:xfrm>
-      </p:grpSpPr>
-      <p:sp>
-        <p:nvSpPr>
-          <p:cNvPr id="2" name="Title 1"/>
-          <p:cNvSpPr>
-            <a:spLocks noGrp="1"/>
-          </p:cNvSpPr>
-          <p:nvPr>
-            <p:ph type="title"/>
-          </p:nvPr>
-        </p:nvSpPr>
-        <p:spPr/>
-        <p:txBody>
-          <a:bodyPr/>
-          <a:lstStyle/>
-          <a:p>
-            <a:r>
-              <a:rPr lang="en-US" dirty="0" smtClean="0"/>
-              <a:t>Stride</a:t>
-            </a:r>
-            <a:endParaRPr lang="en-US" dirty="0"/>
-          </a:p>
-        </p:txBody>
-      </p:sp>
-      <p:sp>
-        <p:nvSpPr>
-          <p:cNvPr id="3" name="Content Placeholder 2"/>
-          <p:cNvSpPr>
-            <a:spLocks noGrp="1"/>
-          </p:cNvSpPr>
-          <p:nvPr>
-            <p:ph idx="1"/>
-          </p:nvPr>
-        </p:nvSpPr>
-        <p:spPr/>
-        <p:txBody>
-          <a:bodyPr/>
-          <a:lstStyle/>
-          <a:p>
-            <a:r>
-              <a:rPr lang="en-US" dirty="0" err="1" smtClean="0"/>
-              <a:t>Jumlah</a:t>
-            </a:r>
-            <a:r>
-              <a:rPr lang="en-US" dirty="0" smtClean="0"/>
-              <a:t> </a:t>
-            </a:r>
-            <a:r>
-              <a:rPr lang="en-US" dirty="0" err="1" smtClean="0"/>
-              <a:t>pergerakan</a:t>
-            </a:r>
-            <a:endParaRPr lang="en-US" dirty="0" smtClean="0"/>
-          </a:p>
-          <a:p>
-            <a:r>
-              <a:rPr lang="en-US" dirty="0" err="1" smtClean="0"/>
-              <a:t>Untuk</a:t>
-            </a:r>
-            <a:r>
-              <a:rPr lang="en-US" dirty="0" smtClean="0"/>
-              <a:t> </a:t>
-            </a:r>
-            <a:r>
-              <a:rPr lang="en-US" dirty="0" err="1" smtClean="0"/>
-              <a:t>menciptakan</a:t>
-            </a:r>
-            <a:r>
-              <a:rPr lang="en-US" smtClean="0"/>
-              <a:t> activation map</a:t>
-            </a:r>
-            <a:endParaRPr lang="en-US" dirty="0"/>
-          </a:p>
-        </p:txBody>
-      </p:sp>
-    </p:spTree>
-    <p:extLst>
-      <p:ext uri="{BB962C8B-B14F-4D97-AF65-F5344CB8AC3E}">
-        <p14:creationId xmlns:p14="http://schemas.microsoft.com/office/powerpoint/2010/main" val="867154336"/>
-      </p:ext>
-    </p:extLst>
-  </p:cSld>
-  <p:clrMapOvr>
-    <a:masterClrMapping/>
-  </p:clrMapOvr>
-  <p:timing>
-    <p:tnLst>
-      <p:par>
-        <p:cTn id="1" dur="indefinite" restart="never" nodeType="tmRoot"/>
-      </p:par>
-    </p:tnLst>
-  </p:timing>
-</p:sld>
-</file>
-
-<file path=ppt/slides/slide6.xml><?xml version="1.0" encoding="utf-8"?>
 <p:sld xmlns:a="http://schemas.openxmlformats.org/drawingml/2006/main" xmlns:r="http://schemas.openxmlformats.org/officeDocument/2006/relationships" xmlns:p="http://schemas.openxmlformats.org/presentationml/2006/main">
   <p:cSld>
     <p:spTree>
@@ -4273,7 +3857,7 @@
 </p:sld>
 </file>
 
-<file path=ppt/slides/slide7.xml><?xml version="1.0" encoding="utf-8"?>
+<file path=ppt/slides/slide6.xml><?xml version="1.0" encoding="utf-8"?>
 <p:sld xmlns:a="http://schemas.openxmlformats.org/drawingml/2006/main" xmlns:r="http://schemas.openxmlformats.org/officeDocument/2006/relationships" xmlns:p="http://schemas.openxmlformats.org/presentationml/2006/main">
   <p:cSld>
     <p:spTree>
@@ -4374,6 +3958,123 @@
     <p:extLst>
       <p:ext uri="{BB962C8B-B14F-4D97-AF65-F5344CB8AC3E}">
         <p14:creationId xmlns:p14="http://schemas.microsoft.com/office/powerpoint/2010/main" val="3426310061"/>
+      </p:ext>
+    </p:extLst>
+  </p:cSld>
+  <p:clrMapOvr>
+    <a:masterClrMapping/>
+  </p:clrMapOvr>
+  <p:timing>
+    <p:tnLst>
+      <p:par>
+        <p:cTn id="1" dur="indefinite" restart="never" nodeType="tmRoot"/>
+      </p:par>
+    </p:tnLst>
+  </p:timing>
+</p:sld>
+</file>
+
+<file path=ppt/slides/slide7.xml><?xml version="1.0" encoding="utf-8"?>
+<p:sld xmlns:a="http://schemas.openxmlformats.org/drawingml/2006/main" xmlns:r="http://schemas.openxmlformats.org/officeDocument/2006/relationships" xmlns:p="http://schemas.openxmlformats.org/presentationml/2006/main">
+  <p:cSld>
+    <p:spTree>
+      <p:nvGrpSpPr>
+        <p:cNvPr id="1" name=""/>
+        <p:cNvGrpSpPr/>
+        <p:nvPr/>
+      </p:nvGrpSpPr>
+      <p:grpSpPr>
+        <a:xfrm>
+          <a:off x="0" y="0"/>
+          <a:ext cx="0" cy="0"/>
+          <a:chOff x="0" y="0"/>
+          <a:chExt cx="0" cy="0"/>
+        </a:xfrm>
+      </p:grpSpPr>
+      <p:sp>
+        <p:nvSpPr>
+          <p:cNvPr id="2" name="Title 1"/>
+          <p:cNvSpPr>
+            <a:spLocks noGrp="1"/>
+          </p:cNvSpPr>
+          <p:nvPr>
+            <p:ph type="title"/>
+          </p:nvPr>
+        </p:nvSpPr>
+        <p:spPr/>
+        <p:txBody>
+          <a:bodyPr/>
+          <a:lstStyle/>
+          <a:p>
+            <a:r>
+              <a:rPr lang="en-US" dirty="0" smtClean="0"/>
+              <a:t>Source Code</a:t>
+            </a:r>
+            <a:endParaRPr lang="en-US" dirty="0"/>
+          </a:p>
+        </p:txBody>
+      </p:sp>
+      <p:pic>
+        <p:nvPicPr>
+          <p:cNvPr id="2050" name="Picture 2"/>
+          <p:cNvPicPr>
+            <a:picLocks noChangeAspect="1" noChangeArrowheads="1"/>
+          </p:cNvPicPr>
+          <p:nvPr/>
+        </p:nvPicPr>
+        <p:blipFill rotWithShape="1">
+          <a:blip r:embed="rId2">
+            <a:extLst>
+              <a:ext uri="{28A0092B-C50C-407E-A947-70E740481C1C}">
+                <a14:useLocalDpi xmlns:a14="http://schemas.microsoft.com/office/drawing/2010/main" val="0"/>
+              </a:ext>
+            </a:extLst>
+          </a:blip>
+          <a:srcRect l="4494" t="47812" r="74071" b="14375"/>
+          <a:stretch/>
+        </p:blipFill>
+        <p:spPr bwMode="auto">
+          <a:xfrm>
+            <a:off x="2209800" y="1752600"/>
+            <a:ext cx="4379296" cy="4343400"/>
+          </a:xfrm>
+          <a:prstGeom prst="rect">
+            <a:avLst/>
+          </a:prstGeom>
+          <a:noFill/>
+          <a:ln w="9525">
+            <a:solidFill>
+              <a:schemeClr val="tx1"/>
+            </a:solidFill>
+            <a:miter lim="800000"/>
+            <a:headEnd/>
+            <a:tailEnd/>
+          </a:ln>
+          <a:effectLst/>
+          <a:extLst>
+            <a:ext uri="{909E8E84-426E-40DD-AFC4-6F175D3DCCD1}">
+              <a14:hiddenFill xmlns:a14="http://schemas.microsoft.com/office/drawing/2010/main">
+                <a:solidFill>
+                  <a:schemeClr val="accent1"/>
+                </a:solidFill>
+              </a14:hiddenFill>
+            </a:ext>
+            <a:ext uri="{AF507438-7753-43E0-B8FC-AC1667EBCBE1}">
+              <a14:hiddenEffects xmlns:a14="http://schemas.microsoft.com/office/drawing/2010/main">
+                <a:effectLst>
+                  <a:outerShdw dist="35921" dir="2700000" algn="ctr" rotWithShape="0">
+                    <a:schemeClr val="bg2"/>
+                  </a:outerShdw>
+                </a:effectLst>
+              </a14:hiddenEffects>
+            </a:ext>
+          </a:extLst>
+        </p:spPr>
+      </p:pic>
+    </p:spTree>
+    <p:extLst>
+      <p:ext uri="{BB962C8B-B14F-4D97-AF65-F5344CB8AC3E}">
+        <p14:creationId xmlns:p14="http://schemas.microsoft.com/office/powerpoint/2010/main" val="840130443"/>
       </p:ext>
     </p:extLst>
   </p:cSld>
